--- a/materials/slides/ch15-linux-syscalls-io.pptx
+++ b/materials/slides/ch15-linux-syscalls-io.pptx
@@ -209,7 +209,7 @@
           <a:p>
             <a:fld id="{5295C21F-D263-42F0-B983-AC155A499AFC}" type="datetimeFigureOut">
               <a:rPr lang="zh-CN" altLang="en-US" smtClean="0"/>
-              <a:t>2018/6/10</a:t>
+              <a:t>2018/6/11</a:t>
             </a:fld>
             <a:endParaRPr lang="zh-CN" altLang="en-US"/>
           </a:p>
@@ -1639,7 +1639,7 @@
           <a:p>
             <a:fld id="{02E60DA2-A0BC-48C9-AA88-75C78721B420}" type="datetimeFigureOut">
               <a:rPr lang="zh-CN" altLang="en-US" smtClean="0"/>
-              <a:t>2018/6/10</a:t>
+              <a:t>2018/6/11</a:t>
             </a:fld>
             <a:endParaRPr lang="zh-CN" altLang="en-US"/>
           </a:p>
@@ -1861,7 +1861,7 @@
           <a:p>
             <a:fld id="{02E60DA2-A0BC-48C9-AA88-75C78721B420}" type="datetimeFigureOut">
               <a:rPr lang="zh-CN" altLang="en-US" smtClean="0"/>
-              <a:t>2018/6/10</a:t>
+              <a:t>2018/6/11</a:t>
             </a:fld>
             <a:endParaRPr lang="zh-CN" altLang="en-US"/>
           </a:p>
@@ -2093,7 +2093,7 @@
           <a:p>
             <a:fld id="{02E60DA2-A0BC-48C9-AA88-75C78721B420}" type="datetimeFigureOut">
               <a:rPr lang="zh-CN" altLang="en-US" smtClean="0"/>
-              <a:t>2018/6/10</a:t>
+              <a:t>2018/6/11</a:t>
             </a:fld>
             <a:endParaRPr lang="zh-CN" altLang="en-US"/>
           </a:p>
@@ -2343,7 +2343,7 @@
           <a:p>
             <a:fld id="{02E60DA2-A0BC-48C9-AA88-75C78721B420}" type="datetimeFigureOut">
               <a:rPr lang="zh-CN" altLang="en-US" smtClean="0"/>
-              <a:t>2018/6/10</a:t>
+              <a:t>2018/6/11</a:t>
             </a:fld>
             <a:endParaRPr lang="zh-CN" altLang="en-US"/>
           </a:p>
@@ -2581,7 +2581,7 @@
           <a:p>
             <a:fld id="{02E60DA2-A0BC-48C9-AA88-75C78721B420}" type="datetimeFigureOut">
               <a:rPr lang="zh-CN" altLang="en-US" smtClean="0"/>
-              <a:t>2018/6/10</a:t>
+              <a:t>2018/6/11</a:t>
             </a:fld>
             <a:endParaRPr lang="zh-CN" altLang="en-US"/>
           </a:p>
@@ -2886,7 +2886,7 @@
           <a:p>
             <a:fld id="{02E60DA2-A0BC-48C9-AA88-75C78721B420}" type="datetimeFigureOut">
               <a:rPr lang="zh-CN" altLang="en-US" smtClean="0"/>
-              <a:t>2018/6/10</a:t>
+              <a:t>2018/6/11</a:t>
             </a:fld>
             <a:endParaRPr lang="zh-CN" altLang="en-US"/>
           </a:p>
@@ -3189,7 +3189,7 @@
           <a:p>
             <a:fld id="{02E60DA2-A0BC-48C9-AA88-75C78721B420}" type="datetimeFigureOut">
               <a:rPr lang="zh-CN" altLang="en-US" smtClean="0"/>
-              <a:t>2018/6/10</a:t>
+              <a:t>2018/6/11</a:t>
             </a:fld>
             <a:endParaRPr lang="zh-CN" altLang="en-US"/>
           </a:p>
@@ -3640,7 +3640,7 @@
           <a:p>
             <a:fld id="{02E60DA2-A0BC-48C9-AA88-75C78721B420}" type="datetimeFigureOut">
               <a:rPr lang="zh-CN" altLang="en-US" smtClean="0"/>
-              <a:t>2018/6/10</a:t>
+              <a:t>2018/6/11</a:t>
             </a:fld>
             <a:endParaRPr lang="zh-CN" altLang="en-US"/>
           </a:p>
@@ -3813,7 +3813,7 @@
           <a:p>
             <a:fld id="{02E60DA2-A0BC-48C9-AA88-75C78721B420}" type="datetimeFigureOut">
               <a:rPr lang="zh-CN" altLang="en-US" smtClean="0"/>
-              <a:t>2018/6/10</a:t>
+              <a:t>2018/6/11</a:t>
             </a:fld>
             <a:endParaRPr lang="zh-CN" altLang="en-US"/>
           </a:p>
@@ -3950,7 +3950,7 @@
           <a:p>
             <a:fld id="{02E60DA2-A0BC-48C9-AA88-75C78721B420}" type="datetimeFigureOut">
               <a:rPr lang="zh-CN" altLang="en-US" smtClean="0"/>
-              <a:t>2018/6/10</a:t>
+              <a:t>2018/6/11</a:t>
             </a:fld>
             <a:endParaRPr lang="zh-CN" altLang="en-US"/>
           </a:p>
@@ -4294,7 +4294,7 @@
           <a:p>
             <a:fld id="{02E60DA2-A0BC-48C9-AA88-75C78721B420}" type="datetimeFigureOut">
               <a:rPr lang="zh-CN" altLang="en-US" smtClean="0"/>
-              <a:t>2018/6/10</a:t>
+              <a:t>2018/6/11</a:t>
             </a:fld>
             <a:endParaRPr lang="zh-CN" altLang="en-US"/>
           </a:p>
@@ -4516,7 +4516,7 @@
           <a:p>
             <a:fld id="{02E60DA2-A0BC-48C9-AA88-75C78721B420}" type="datetimeFigureOut">
               <a:rPr lang="zh-CN" altLang="en-US" smtClean="0"/>
-              <a:t>2018/6/10</a:t>
+              <a:t>2018/6/11</a:t>
             </a:fld>
             <a:endParaRPr lang="zh-CN" altLang="en-US"/>
           </a:p>
@@ -4837,7 +4837,7 @@
           <a:p>
             <a:fld id="{02E60DA2-A0BC-48C9-AA88-75C78721B420}" type="datetimeFigureOut">
               <a:rPr lang="zh-CN" altLang="en-US" smtClean="0"/>
-              <a:t>2018/6/10</a:t>
+              <a:t>2018/6/11</a:t>
             </a:fld>
             <a:endParaRPr lang="zh-CN" altLang="en-US"/>
           </a:p>
@@ -5075,7 +5075,7 @@
           <a:p>
             <a:fld id="{02E60DA2-A0BC-48C9-AA88-75C78721B420}" type="datetimeFigureOut">
               <a:rPr lang="zh-CN" altLang="en-US" smtClean="0"/>
-              <a:t>2018/6/10</a:t>
+              <a:t>2018/6/11</a:t>
             </a:fld>
             <a:endParaRPr lang="zh-CN" altLang="en-US"/>
           </a:p>
@@ -5313,7 +5313,7 @@
           <a:p>
             <a:fld id="{02E60DA2-A0BC-48C9-AA88-75C78721B420}" type="datetimeFigureOut">
               <a:rPr lang="zh-CN" altLang="en-US" smtClean="0"/>
-              <a:t>2018/6/10</a:t>
+              <a:t>2018/6/11</a:t>
             </a:fld>
             <a:endParaRPr lang="zh-CN" altLang="en-US"/>
           </a:p>
@@ -5612,7 +5612,7 @@
           <a:p>
             <a:fld id="{02E60DA2-A0BC-48C9-AA88-75C78721B420}" type="datetimeFigureOut">
               <a:rPr lang="zh-CN" altLang="en-US" smtClean="0"/>
-              <a:t>2018/6/10</a:t>
+              <a:t>2018/6/11</a:t>
             </a:fld>
             <a:endParaRPr lang="zh-CN" altLang="en-US"/>
           </a:p>
@@ -5901,7 +5901,7 @@
           <a:p>
             <a:fld id="{02E60DA2-A0BC-48C9-AA88-75C78721B420}" type="datetimeFigureOut">
               <a:rPr lang="zh-CN" altLang="en-US" smtClean="0"/>
-              <a:t>2018/6/10</a:t>
+              <a:t>2018/6/11</a:t>
             </a:fld>
             <a:endParaRPr lang="zh-CN" altLang="en-US"/>
           </a:p>
@@ -6337,7 +6337,7 @@
           <a:p>
             <a:fld id="{02E60DA2-A0BC-48C9-AA88-75C78721B420}" type="datetimeFigureOut">
               <a:rPr lang="zh-CN" altLang="en-US" smtClean="0"/>
-              <a:t>2018/6/10</a:t>
+              <a:t>2018/6/11</a:t>
             </a:fld>
             <a:endParaRPr lang="zh-CN" altLang="en-US"/>
           </a:p>
@@ -6502,7 +6502,7 @@
           <a:p>
             <a:fld id="{02E60DA2-A0BC-48C9-AA88-75C78721B420}" type="datetimeFigureOut">
               <a:rPr lang="zh-CN" altLang="en-US" smtClean="0"/>
-              <a:t>2018/6/10</a:t>
+              <a:t>2018/6/11</a:t>
             </a:fld>
             <a:endParaRPr lang="zh-CN" altLang="en-US"/>
           </a:p>
@@ -6639,7 +6639,7 @@
           <a:p>
             <a:fld id="{02E60DA2-A0BC-48C9-AA88-75C78721B420}" type="datetimeFigureOut">
               <a:rPr lang="zh-CN" altLang="en-US" smtClean="0"/>
-              <a:t>2018/6/10</a:t>
+              <a:t>2018/6/11</a:t>
             </a:fld>
             <a:endParaRPr lang="zh-CN" altLang="en-US"/>
           </a:p>
@@ -6974,7 +6974,7 @@
           <a:p>
             <a:fld id="{02E60DA2-A0BC-48C9-AA88-75C78721B420}" type="datetimeFigureOut">
               <a:rPr lang="zh-CN" altLang="en-US" smtClean="0"/>
-              <a:t>2018/6/10</a:t>
+              <a:t>2018/6/11</a:t>
             </a:fld>
             <a:endParaRPr lang="zh-CN" altLang="en-US"/>
           </a:p>
@@ -7286,7 +7286,7 @@
           <a:p>
             <a:fld id="{02E60DA2-A0BC-48C9-AA88-75C78721B420}" type="datetimeFigureOut">
               <a:rPr lang="zh-CN" altLang="en-US" smtClean="0"/>
-              <a:t>2018/6/10</a:t>
+              <a:t>2018/6/11</a:t>
             </a:fld>
             <a:endParaRPr lang="zh-CN" altLang="en-US"/>
           </a:p>
@@ -9964,7 +9964,7 @@
             </a:pPr>
             <a:r>
               <a:rPr lang="en-US" altLang="zh-CN" sz="2000"/>
-              <a:t>ssize_t  read(int fd,  const void *buf, int count);</a:t>
+              <a:t>ssize_t  read(int fd,  void *buf, int count);</a:t>
             </a:r>
           </a:p>
           <a:p>
